--- a/HelpFiles/UIdesign.pptx
+++ b/HelpFiles/UIdesign.pptx
@@ -9,6 +9,7 @@
     <p:sldId id="261" r:id="rId3"/>
     <p:sldId id="260" r:id="rId4"/>
     <p:sldId id="257" r:id="rId5"/>
+    <p:sldId id="263" r:id="rId6"/>
   </p:sldIdLst>
   <p:sldSz cx="12192000" cy="6858000"/>
   <p:notesSz cx="6858000" cy="9144000"/>
@@ -262,7 +263,7 @@
           <a:p>
             <a:fld id="{6F73D0D6-01FF-4615-AF4D-A867A0343E37}" type="datetimeFigureOut">
               <a:rPr lang="hu-HU" smtClean="0"/>
-              <a:t>2021. 12. 09.</a:t>
+              <a:t>2021. 12. 10.</a:t>
             </a:fld>
             <a:endParaRPr lang="hu-HU"/>
           </a:p>
@@ -460,7 +461,7 @@
           <a:p>
             <a:fld id="{6F73D0D6-01FF-4615-AF4D-A867A0343E37}" type="datetimeFigureOut">
               <a:rPr lang="hu-HU" smtClean="0"/>
-              <a:t>2021. 12. 09.</a:t>
+              <a:t>2021. 12. 10.</a:t>
             </a:fld>
             <a:endParaRPr lang="hu-HU"/>
           </a:p>
@@ -668,7 +669,7 @@
           <a:p>
             <a:fld id="{6F73D0D6-01FF-4615-AF4D-A867A0343E37}" type="datetimeFigureOut">
               <a:rPr lang="hu-HU" smtClean="0"/>
-              <a:t>2021. 12. 09.</a:t>
+              <a:t>2021. 12. 10.</a:t>
             </a:fld>
             <a:endParaRPr lang="hu-HU"/>
           </a:p>
@@ -866,7 +867,7 @@
           <a:p>
             <a:fld id="{6F73D0D6-01FF-4615-AF4D-A867A0343E37}" type="datetimeFigureOut">
               <a:rPr lang="hu-HU" smtClean="0"/>
-              <a:t>2021. 12. 09.</a:t>
+              <a:t>2021. 12. 10.</a:t>
             </a:fld>
             <a:endParaRPr lang="hu-HU"/>
           </a:p>
@@ -1141,7 +1142,7 @@
           <a:p>
             <a:fld id="{6F73D0D6-01FF-4615-AF4D-A867A0343E37}" type="datetimeFigureOut">
               <a:rPr lang="hu-HU" smtClean="0"/>
-              <a:t>2021. 12. 09.</a:t>
+              <a:t>2021. 12. 10.</a:t>
             </a:fld>
             <a:endParaRPr lang="hu-HU"/>
           </a:p>
@@ -1406,7 +1407,7 @@
           <a:p>
             <a:fld id="{6F73D0D6-01FF-4615-AF4D-A867A0343E37}" type="datetimeFigureOut">
               <a:rPr lang="hu-HU" smtClean="0"/>
-              <a:t>2021. 12. 09.</a:t>
+              <a:t>2021. 12. 10.</a:t>
             </a:fld>
             <a:endParaRPr lang="hu-HU"/>
           </a:p>
@@ -1818,7 +1819,7 @@
           <a:p>
             <a:fld id="{6F73D0D6-01FF-4615-AF4D-A867A0343E37}" type="datetimeFigureOut">
               <a:rPr lang="hu-HU" smtClean="0"/>
-              <a:t>2021. 12. 09.</a:t>
+              <a:t>2021. 12. 10.</a:t>
             </a:fld>
             <a:endParaRPr lang="hu-HU"/>
           </a:p>
@@ -1959,7 +1960,7 @@
           <a:p>
             <a:fld id="{6F73D0D6-01FF-4615-AF4D-A867A0343E37}" type="datetimeFigureOut">
               <a:rPr lang="hu-HU" smtClean="0"/>
-              <a:t>2021. 12. 09.</a:t>
+              <a:t>2021. 12. 10.</a:t>
             </a:fld>
             <a:endParaRPr lang="hu-HU"/>
           </a:p>
@@ -2072,7 +2073,7 @@
           <a:p>
             <a:fld id="{6F73D0D6-01FF-4615-AF4D-A867A0343E37}" type="datetimeFigureOut">
               <a:rPr lang="hu-HU" smtClean="0"/>
-              <a:t>2021. 12. 09.</a:t>
+              <a:t>2021. 12. 10.</a:t>
             </a:fld>
             <a:endParaRPr lang="hu-HU"/>
           </a:p>
@@ -2383,7 +2384,7 @@
           <a:p>
             <a:fld id="{6F73D0D6-01FF-4615-AF4D-A867A0343E37}" type="datetimeFigureOut">
               <a:rPr lang="hu-HU" smtClean="0"/>
-              <a:t>2021. 12. 09.</a:t>
+              <a:t>2021. 12. 10.</a:t>
             </a:fld>
             <a:endParaRPr lang="hu-HU"/>
           </a:p>
@@ -2671,7 +2672,7 @@
           <a:p>
             <a:fld id="{6F73D0D6-01FF-4615-AF4D-A867A0343E37}" type="datetimeFigureOut">
               <a:rPr lang="hu-HU" smtClean="0"/>
-              <a:t>2021. 12. 09.</a:t>
+              <a:t>2021. 12. 10.</a:t>
             </a:fld>
             <a:endParaRPr lang="hu-HU"/>
           </a:p>
@@ -2912,7 +2913,7 @@
           <a:p>
             <a:fld id="{6F73D0D6-01FF-4615-AF4D-A867A0343E37}" type="datetimeFigureOut">
               <a:rPr lang="hu-HU" smtClean="0"/>
-              <a:t>2021. 12. 09.</a:t>
+              <a:t>2021. 12. 10.</a:t>
             </a:fld>
             <a:endParaRPr lang="hu-HU"/>
           </a:p>
@@ -3884,7 +3885,7 @@
           <p:nvPr>
             <p:extLst>
               <p:ext uri="{D42A27DB-BD31-4B8C-83A1-F6EECF244321}">
-                <p14:modId xmlns:p14="http://schemas.microsoft.com/office/powerpoint/2010/main" val="2311665264"/>
+                <p14:modId xmlns:p14="http://schemas.microsoft.com/office/powerpoint/2010/main" val="1751414184"/>
               </p:ext>
             </p:extLst>
           </p:nvPr>
@@ -3960,7 +3961,7 @@
                       <a:headEnd type="none" w="med" len="med"/>
                       <a:tailEnd type="none" w="med" len="med"/>
                     </a:lnT>
-                    <a:lnB w="12700" cap="flat" cmpd="sng" algn="ctr">
+                    <a:lnB w="38100" cap="flat" cmpd="sng" algn="ctr">
                       <a:solidFill>
                         <a:schemeClr val="tx1"/>
                       </a:solidFill>
@@ -4003,7 +4004,7 @@
                     </a:p>
                   </a:txBody>
                   <a:tcPr anchor="ctr">
-                    <a:lnL w="12700" cap="flat" cmpd="sng" algn="ctr">
+                    <a:lnL w="38100" cap="flat" cmpd="sng" algn="ctr">
                       <a:solidFill>
                         <a:schemeClr val="tx1"/>
                       </a:solidFill>
@@ -4012,7 +4013,7 @@
                       <a:headEnd type="none" w="med" len="med"/>
                       <a:tailEnd type="none" w="med" len="med"/>
                     </a:lnL>
-                    <a:lnR w="12700" cap="flat" cmpd="sng" algn="ctr">
+                    <a:lnR w="38100" cap="flat" cmpd="sng" algn="ctr">
                       <a:solidFill>
                         <a:schemeClr val="tx1"/>
                       </a:solidFill>
@@ -4021,7 +4022,7 @@
                       <a:headEnd type="none" w="med" len="med"/>
                       <a:tailEnd type="none" w="med" len="med"/>
                     </a:lnR>
-                    <a:lnT w="12700" cap="flat" cmpd="sng" algn="ctr">
+                    <a:lnT w="38100" cap="flat" cmpd="sng" algn="ctr">
                       <a:solidFill>
                         <a:schemeClr val="tx1"/>
                       </a:solidFill>
@@ -4030,7 +4031,7 @@
                       <a:headEnd type="none" w="med" len="med"/>
                       <a:tailEnd type="none" w="med" len="med"/>
                     </a:lnT>
-                    <a:lnB w="12700" cap="flat" cmpd="sng" algn="ctr">
+                    <a:lnB w="38100" cap="flat" cmpd="sng" algn="ctr">
                       <a:solidFill>
                         <a:schemeClr val="tx1"/>
                       </a:solidFill>
@@ -4083,7 +4084,7 @@
                       <a:headEnd type="none" w="med" len="med"/>
                       <a:tailEnd type="none" w="med" len="med"/>
                     </a:lnR>
-                    <a:lnT w="12700" cap="flat" cmpd="sng" algn="ctr">
+                    <a:lnT w="38100" cap="flat" cmpd="sng" algn="ctr">
                       <a:solidFill>
                         <a:schemeClr val="tx1"/>
                       </a:solidFill>
@@ -4166,7 +4167,7 @@
                       <a:headEnd type="none" w="med" len="med"/>
                       <a:tailEnd type="none" w="med" len="med"/>
                     </a:lnT>
-                    <a:lnB w="12700" cap="flat" cmpd="sng" algn="ctr">
+                    <a:lnB w="38100" cap="flat" cmpd="sng" algn="ctr">
                       <a:solidFill>
                         <a:schemeClr val="tx1"/>
                       </a:solidFill>
@@ -4209,7 +4210,7 @@
                     </a:p>
                   </a:txBody>
                   <a:tcPr anchor="ctr">
-                    <a:lnL w="12700" cap="flat" cmpd="sng" algn="ctr">
+                    <a:lnL w="38100" cap="flat" cmpd="sng" algn="ctr">
                       <a:solidFill>
                         <a:schemeClr val="tx1"/>
                       </a:solidFill>
@@ -4218,7 +4219,7 @@
                       <a:headEnd type="none" w="med" len="med"/>
                       <a:tailEnd type="none" w="med" len="med"/>
                     </a:lnL>
-                    <a:lnR w="12700" cap="flat" cmpd="sng" algn="ctr">
+                    <a:lnR w="38100" cap="flat" cmpd="sng" algn="ctr">
                       <a:solidFill>
                         <a:schemeClr val="tx1"/>
                       </a:solidFill>
@@ -4227,7 +4228,7 @@
                       <a:headEnd type="none" w="med" len="med"/>
                       <a:tailEnd type="none" w="med" len="med"/>
                     </a:lnR>
-                    <a:lnT w="12700" cap="flat" cmpd="sng" algn="ctr">
+                    <a:lnT w="38100" cap="flat" cmpd="sng" algn="ctr">
                       <a:solidFill>
                         <a:schemeClr val="tx1"/>
                       </a:solidFill>
@@ -4236,7 +4237,7 @@
                       <a:headEnd type="none" w="med" len="med"/>
                       <a:tailEnd type="none" w="med" len="med"/>
                     </a:lnT>
-                    <a:lnB w="12700" cap="flat" cmpd="sng" algn="ctr">
+                    <a:lnB w="38100" cap="flat" cmpd="sng" algn="ctr">
                       <a:solidFill>
                         <a:schemeClr val="tx1"/>
                       </a:solidFill>
@@ -4340,7 +4341,7 @@
           <p:nvPr>
             <p:extLst>
               <p:ext uri="{D42A27DB-BD31-4B8C-83A1-F6EECF244321}">
-                <p14:modId xmlns:p14="http://schemas.microsoft.com/office/powerpoint/2010/main" val="1582728885"/>
+                <p14:modId xmlns:p14="http://schemas.microsoft.com/office/powerpoint/2010/main" val="866304838"/>
               </p:ext>
             </p:extLst>
           </p:nvPr>
@@ -4393,7 +4394,7 @@
                     </a:p>
                   </a:txBody>
                   <a:tcPr anchor="ctr">
-                    <a:lnL w="12700" cap="flat" cmpd="sng" algn="ctr">
+                    <a:lnL w="38100" cap="flat" cmpd="sng" algn="ctr">
                       <a:solidFill>
                         <a:schemeClr val="tx1"/>
                       </a:solidFill>
@@ -4402,7 +4403,7 @@
                       <a:headEnd type="none" w="med" len="med"/>
                       <a:tailEnd type="none" w="med" len="med"/>
                     </a:lnL>
-                    <a:lnR w="12700" cap="flat" cmpd="sng" algn="ctr">
+                    <a:lnR w="38100" cap="flat" cmpd="sng" algn="ctr">
                       <a:solidFill>
                         <a:schemeClr val="tx1"/>
                       </a:solidFill>
@@ -4411,7 +4412,7 @@
                       <a:headEnd type="none" w="med" len="med"/>
                       <a:tailEnd type="none" w="med" len="med"/>
                     </a:lnR>
-                    <a:lnT w="12700" cap="flat" cmpd="sng" algn="ctr">
+                    <a:lnT w="38100" cap="flat" cmpd="sng" algn="ctr">
                       <a:solidFill>
                         <a:schemeClr val="tx1"/>
                       </a:solidFill>
@@ -4420,7 +4421,7 @@
                       <a:headEnd type="none" w="med" len="med"/>
                       <a:tailEnd type="none" w="med" len="med"/>
                     </a:lnT>
-                    <a:lnB w="12700" cap="flat" cmpd="sng" algn="ctr">
+                    <a:lnB w="38100" cap="flat" cmpd="sng" algn="ctr">
                       <a:solidFill>
                         <a:schemeClr val="tx1"/>
                       </a:solidFill>
@@ -4473,7 +4474,7 @@
                       <a:headEnd type="none" w="med" len="med"/>
                       <a:tailEnd type="none" w="med" len="med"/>
                     </a:lnR>
-                    <a:lnT w="12700" cap="flat" cmpd="sng" algn="ctr">
+                    <a:lnT w="38100" cap="flat" cmpd="sng" algn="ctr">
                       <a:solidFill>
                         <a:schemeClr val="tx1"/>
                       </a:solidFill>
@@ -4482,7 +4483,7 @@
                       <a:headEnd type="none" w="med" len="med"/>
                       <a:tailEnd type="none" w="med" len="med"/>
                     </a:lnT>
-                    <a:lnB w="12700" cap="flat" cmpd="sng" algn="ctr">
+                    <a:lnB w="38100" cap="flat" cmpd="sng" algn="ctr">
                       <a:solidFill>
                         <a:schemeClr val="tx1"/>
                       </a:solidFill>
@@ -4536,7 +4537,7 @@
                     </a:p>
                   </a:txBody>
                   <a:tcPr anchor="ctr">
-                    <a:lnL w="12700" cap="flat" cmpd="sng" algn="ctr">
+                    <a:lnL w="38100" cap="flat" cmpd="sng" algn="ctr">
                       <a:solidFill>
                         <a:schemeClr val="tx1"/>
                       </a:solidFill>
@@ -4545,7 +4546,7 @@
                       <a:headEnd type="none" w="med" len="med"/>
                       <a:tailEnd type="none" w="med" len="med"/>
                     </a:lnL>
-                    <a:lnR w="12700" cap="flat" cmpd="sng" algn="ctr">
+                    <a:lnR w="38100" cap="flat" cmpd="sng" algn="ctr">
                       <a:solidFill>
                         <a:schemeClr val="tx1"/>
                       </a:solidFill>
@@ -4554,7 +4555,7 @@
                       <a:headEnd type="none" w="med" len="med"/>
                       <a:tailEnd type="none" w="med" len="med"/>
                     </a:lnR>
-                    <a:lnT w="12700" cap="flat" cmpd="sng" algn="ctr">
+                    <a:lnT w="38100" cap="flat" cmpd="sng" algn="ctr">
                       <a:solidFill>
                         <a:schemeClr val="tx1"/>
                       </a:solidFill>
@@ -4563,7 +4564,7 @@
                       <a:headEnd type="none" w="med" len="med"/>
                       <a:tailEnd type="none" w="med" len="med"/>
                     </a:lnT>
-                    <a:lnB w="12700" cap="flat" cmpd="sng" algn="ctr">
+                    <a:lnB w="38100" cap="flat" cmpd="sng" algn="ctr">
                       <a:solidFill>
                         <a:schemeClr val="tx1"/>
                       </a:solidFill>
@@ -4772,7 +4773,7 @@
         </p:nvSpPr>
         <p:spPr>
           <a:xfrm>
-            <a:off x="4795517" y="3058320"/>
+            <a:off x="4795517" y="2766400"/>
             <a:ext cx="2814350" cy="1005847"/>
           </a:xfrm>
           <a:prstGeom prst="rect">
@@ -5894,12 +5895,67 @@
           </a:p>
         </p:txBody>
       </p:sp>
+      <p:sp>
+        <p:nvSpPr>
+          <p:cNvPr id="55" name="Szövegdoboz 54">
+            <a:extLst>
+              <a:ext uri="{FF2B5EF4-FFF2-40B4-BE49-F238E27FC236}">
+                <a16:creationId xmlns:a16="http://schemas.microsoft.com/office/drawing/2014/main" id="{35C4686F-A958-43F8-B52F-250E77CBCFF4}"/>
+              </a:ext>
+            </a:extLst>
+          </p:cNvPr>
+          <p:cNvSpPr txBox="1"/>
+          <p:nvPr/>
+        </p:nvSpPr>
+        <p:spPr>
+          <a:xfrm>
+            <a:off x="3168289" y="1801866"/>
+            <a:ext cx="6068807" cy="830997"/>
+          </a:xfrm>
+          <a:prstGeom prst="rect">
+            <a:avLst/>
+          </a:prstGeom>
+          <a:noFill/>
+        </p:spPr>
+        <p:txBody>
+          <a:bodyPr wrap="square" rtlCol="0">
+            <a:spAutoFit/>
+          </a:bodyPr>
+          <a:lstStyle/>
+          <a:p>
+            <a:pPr algn="ctr"/>
+            <a:r>
+              <a:rPr lang="en-GB" sz="4800" b="1" spc="300" dirty="0">
+                <a:effectLst>
+                  <a:outerShdw blurRad="38100" dist="38100" dir="2700000" algn="tl">
+                    <a:srgbClr val="000000">
+                      <a:alpha val="43137"/>
+                    </a:srgbClr>
+                  </a:outerShdw>
+                </a:effectLst>
+                <a:latin typeface="Comic Sans MS" panose="030F0702030302020204" pitchFamily="66" charset="0"/>
+              </a:rPr>
+              <a:t>TANKIES</a:t>
+            </a:r>
+            <a:endParaRPr lang="hu-HU" sz="4800" b="1" spc="300" dirty="0">
+              <a:effectLst>
+                <a:outerShdw blurRad="38100" dist="38100" dir="2700000" algn="tl">
+                  <a:srgbClr val="000000">
+                    <a:alpha val="43137"/>
+                  </a:srgbClr>
+                </a:outerShdw>
+              </a:effectLst>
+              <a:latin typeface="Comic Sans MS" panose="030F0702030302020204" pitchFamily="66" charset="0"/>
+            </a:endParaRPr>
+          </a:p>
+        </p:txBody>
+      </p:sp>
       <p:pic>
         <p:nvPicPr>
-          <p:cNvPr id="54" name="Kép 53">
-            <a:extLst>
-              <a:ext uri="{FF2B5EF4-FFF2-40B4-BE49-F238E27FC236}">
-                <a16:creationId xmlns:a16="http://schemas.microsoft.com/office/drawing/2014/main" id="{A0C46AEA-E43E-466B-B9A2-E8F50367C8DC}"/>
+          <p:cNvPr id="4" name="Kép 3" descr="A képen szöveg, világos látható&#10;&#10;Automatikusan generált leírás">
+            <a:extLst>
+              <a:ext uri="{FF2B5EF4-FFF2-40B4-BE49-F238E27FC236}">
+                <a16:creationId xmlns:a16="http://schemas.microsoft.com/office/drawing/2014/main" id="{A24F855E-3750-4514-A0AA-E24B6F599160}"/>
               </a:ext>
             </a:extLst>
           </p:cNvPr>
@@ -5908,7 +5964,7 @@
           </p:cNvPicPr>
           <p:nvPr/>
         </p:nvPicPr>
-        <p:blipFill rotWithShape="1">
+        <p:blipFill>
           <a:blip r:embed="rId15">
             <a:extLst>
               <a:ext uri="{28A0092B-C50C-407E-A947-70E740481C1C}">
@@ -5916,13 +5972,14 @@
               </a:ext>
             </a:extLst>
           </a:blip>
-          <a:srcRect r="21994"/>
-          <a:stretch/>
+          <a:stretch>
+            <a:fillRect/>
+          </a:stretch>
         </p:blipFill>
         <p:spPr>
           <a:xfrm>
-            <a:off x="4795518" y="4424403"/>
-            <a:ext cx="2814349" cy="2164723"/>
+            <a:off x="4237034" y="4060023"/>
+            <a:ext cx="4226302" cy="2535781"/>
           </a:xfrm>
           <a:prstGeom prst="rect">
             <a:avLst/>
@@ -5936,10 +5993,10 @@
       </p:pic>
       <p:sp>
         <p:nvSpPr>
-          <p:cNvPr id="55" name="Szövegdoboz 54">
-            <a:extLst>
-              <a:ext uri="{FF2B5EF4-FFF2-40B4-BE49-F238E27FC236}">
-                <a16:creationId xmlns:a16="http://schemas.microsoft.com/office/drawing/2014/main" id="{35C4686F-A958-43F8-B52F-250E77CBCFF4}"/>
+          <p:cNvPr id="36" name="Szövegdoboz 35">
+            <a:extLst>
+              <a:ext uri="{FF2B5EF4-FFF2-40B4-BE49-F238E27FC236}">
+                <a16:creationId xmlns:a16="http://schemas.microsoft.com/office/drawing/2014/main" id="{4CF2FB45-9049-4BE5-8845-308A1BD5006E}"/>
               </a:ext>
             </a:extLst>
           </p:cNvPr>
@@ -5948,8 +6005,8 @@
         </p:nvSpPr>
         <p:spPr>
           <a:xfrm>
-            <a:off x="3168289" y="1867088"/>
-            <a:ext cx="6068807" cy="830997"/>
+            <a:off x="3249305" y="4113652"/>
+            <a:ext cx="6068807" cy="707886"/>
           </a:xfrm>
           <a:prstGeom prst="rect">
             <a:avLst/>
@@ -5964,7 +6021,7 @@
           <a:p>
             <a:pPr algn="ctr"/>
             <a:r>
-              <a:rPr lang="en-GB" sz="4800" b="1" spc="300" dirty="0">
+              <a:rPr lang="en-GB" sz="4000" b="1" spc="300" dirty="0">
                 <a:effectLst>
                   <a:outerShdw blurRad="38100" dist="38100" dir="2700000" algn="tl">
                     <a:srgbClr val="000000">
@@ -5974,9 +6031,9 @@
                 </a:effectLst>
                 <a:latin typeface="Comic Sans MS" panose="030F0702030302020204" pitchFamily="66" charset="0"/>
               </a:rPr>
-              <a:t>TANKIES</a:t>
-            </a:r>
-            <a:endParaRPr lang="hu-HU" sz="4800" b="1" spc="300" dirty="0">
+              <a:t>CUSTOMIZE</a:t>
+            </a:r>
+            <a:endParaRPr lang="hu-HU" sz="4000" b="1" spc="300" dirty="0">
               <a:effectLst>
                 <a:outerShdw blurRad="38100" dist="38100" dir="2700000" algn="tl">
                   <a:srgbClr val="000000">
@@ -6096,7 +6153,7 @@
           <a:solidFill>
             <a:schemeClr val="bg1"/>
           </a:solidFill>
-          <a:ln>
+          <a:ln w="38100">
             <a:solidFill>
               <a:schemeClr val="tx1"/>
             </a:solidFill>
@@ -6157,7 +6214,7 @@
           <a:prstGeom prst="actionButtonReturn">
             <a:avLst/>
           </a:prstGeom>
-          <a:ln>
+          <a:ln w="38100">
             <a:solidFill>
               <a:schemeClr val="tx1"/>
             </a:solidFill>
@@ -6209,7 +6266,7 @@
           <a:prstGeom prst="actionButtonSound">
             <a:avLst/>
           </a:prstGeom>
-          <a:ln>
+          <a:ln w="38100">
             <a:solidFill>
               <a:schemeClr val="tx1"/>
             </a:solidFill>
@@ -6279,7 +6336,7 @@
             <a:prstGeom prst="actionButtonBlank">
               <a:avLst/>
             </a:prstGeom>
-            <a:ln>
+            <a:ln w="38100">
               <a:solidFill>
                 <a:schemeClr val="tx1"/>
               </a:solidFill>
@@ -6487,7 +6544,7 @@
           <a:solidFill>
             <a:schemeClr val="bg1"/>
           </a:solidFill>
-          <a:ln>
+          <a:ln w="38100">
             <a:solidFill>
               <a:schemeClr val="tx1"/>
             </a:solidFill>
@@ -6558,7 +6615,7 @@
           <a:solidFill>
             <a:schemeClr val="bg1"/>
           </a:solidFill>
-          <a:ln>
+          <a:ln w="38100">
             <a:solidFill>
               <a:schemeClr val="tx1"/>
             </a:solidFill>
@@ -6629,7 +6686,7 @@
           <a:solidFill>
             <a:schemeClr val="bg1"/>
           </a:solidFill>
-          <a:ln>
+          <a:ln w="38100">
             <a:solidFill>
               <a:schemeClr val="tx1"/>
             </a:solidFill>
@@ -7518,7 +7575,7 @@
           <a:prstGeom prst="actionButtonBlank">
             <a:avLst/>
           </a:prstGeom>
-          <a:ln>
+          <a:ln w="38100">
             <a:solidFill>
               <a:schemeClr val="tx1"/>
             </a:solidFill>
@@ -7581,7 +7638,7 @@
               <a:lumMod val="75000"/>
             </a:schemeClr>
           </a:solidFill>
-          <a:ln>
+          <a:ln w="38100">
             <a:solidFill>
               <a:schemeClr val="tx1"/>
             </a:solidFill>
@@ -7651,7 +7708,7 @@
           <a:prstGeom prst="actionButtonBlank">
             <a:avLst/>
           </a:prstGeom>
-          <a:ln>
+          <a:ln w="38100">
             <a:solidFill>
               <a:schemeClr val="tx1"/>
             </a:solidFill>
@@ -7688,46 +7745,6 @@
           </a:p>
         </p:txBody>
       </p:sp>
-      <p:pic>
-        <p:nvPicPr>
-          <p:cNvPr id="49" name="Kép 48">
-            <a:extLst>
-              <a:ext uri="{FF2B5EF4-FFF2-40B4-BE49-F238E27FC236}">
-                <a16:creationId xmlns:a16="http://schemas.microsoft.com/office/drawing/2014/main" id="{A7F25A9E-5EA1-4CB3-AB77-B40FE338818E}"/>
-              </a:ext>
-            </a:extLst>
-          </p:cNvPr>
-          <p:cNvPicPr>
-            <a:picLocks noChangeAspect="1"/>
-          </p:cNvPicPr>
-          <p:nvPr/>
-        </p:nvPicPr>
-        <p:blipFill rotWithShape="1">
-          <a:blip r:embed="rId5">
-            <a:extLst>
-              <a:ext uri="{28A0092B-C50C-407E-A947-70E740481C1C}">
-                <a14:useLocalDpi xmlns:a14="http://schemas.microsoft.com/office/drawing/2010/main" val="0"/>
-              </a:ext>
-            </a:extLst>
-          </a:blip>
-          <a:srcRect r="21994"/>
-          <a:stretch/>
-        </p:blipFill>
-        <p:spPr>
-          <a:xfrm>
-            <a:off x="2652455" y="3429000"/>
-            <a:ext cx="1997854" cy="1536697"/>
-          </a:xfrm>
-          <a:prstGeom prst="rect">
-            <a:avLst/>
-          </a:prstGeom>
-          <a:ln w="19050">
-            <a:solidFill>
-              <a:schemeClr val="tx1"/>
-            </a:solidFill>
-          </a:ln>
-        </p:spPr>
-      </p:pic>
       <p:sp>
         <p:nvSpPr>
           <p:cNvPr id="51" name="Szövegdoboz 50">
@@ -7862,13 +7879,13 @@
             <p:nvPr/>
           </p:nvPicPr>
           <p:blipFill>
-            <a:blip r:embed="rId6">
+            <a:blip r:embed="rId5">
               <a:extLst>
                 <a:ext uri="{28A0092B-C50C-407E-A947-70E740481C1C}">
                   <a14:useLocalDpi xmlns:a14="http://schemas.microsoft.com/office/drawing/2010/main" val="0"/>
                 </a:ext>
                 <a:ext uri="{96DAC541-7B7A-43D3-8B79-37D633B846F1}">
-                  <asvg:svgBlip xmlns:asvg="http://schemas.microsoft.com/office/drawing/2016/SVG/main" r:embed="rId7"/>
+                  <asvg:svgBlip xmlns:asvg="http://schemas.microsoft.com/office/drawing/2016/SVG/main" r:embed="rId6"/>
                 </a:ext>
               </a:extLst>
             </a:blip>
@@ -7953,13 +7970,13 @@
           <p:nvPr/>
         </p:nvPicPr>
         <p:blipFill>
-          <a:blip r:embed="rId8">
+          <a:blip r:embed="rId7">
             <a:extLst>
               <a:ext uri="{28A0092B-C50C-407E-A947-70E740481C1C}">
                 <a14:useLocalDpi xmlns:a14="http://schemas.microsoft.com/office/drawing/2010/main" val="0"/>
               </a:ext>
               <a:ext uri="{96DAC541-7B7A-43D3-8B79-37D633B846F1}">
-                <asvg:svgBlip xmlns:asvg="http://schemas.microsoft.com/office/drawing/2016/SVG/main" r:embed="rId9"/>
+                <asvg:svgBlip xmlns:asvg="http://schemas.microsoft.com/office/drawing/2016/SVG/main" r:embed="rId8"/>
               </a:ext>
             </a:extLst>
           </a:blip>
@@ -7977,10 +7994,889 @@
           </a:prstGeom>
         </p:spPr>
       </p:pic>
+      <p:pic>
+        <p:nvPicPr>
+          <p:cNvPr id="31" name="Kép 30" descr="A képen szöveg, világos látható&#10;&#10;Automatikusan generált leírás">
+            <a:extLst>
+              <a:ext uri="{FF2B5EF4-FFF2-40B4-BE49-F238E27FC236}">
+                <a16:creationId xmlns:a16="http://schemas.microsoft.com/office/drawing/2014/main" id="{81178808-4BAA-47E3-AA35-F527FEC56EE3}"/>
+              </a:ext>
+            </a:extLst>
+          </p:cNvPr>
+          <p:cNvPicPr>
+            <a:picLocks noChangeAspect="1"/>
+          </p:cNvPicPr>
+          <p:nvPr/>
+        </p:nvPicPr>
+        <p:blipFill>
+          <a:blip r:embed="rId9">
+            <a:extLst>
+              <a:ext uri="{28A0092B-C50C-407E-A947-70E740481C1C}">
+                <a14:useLocalDpi xmlns:a14="http://schemas.microsoft.com/office/drawing/2010/main" val="0"/>
+              </a:ext>
+            </a:extLst>
+          </a:blip>
+          <a:stretch>
+            <a:fillRect/>
+          </a:stretch>
+        </p:blipFill>
+        <p:spPr>
+          <a:xfrm>
+            <a:off x="2037730" y="3064417"/>
+            <a:ext cx="3227304" cy="1936382"/>
+          </a:xfrm>
+          <a:prstGeom prst="rect">
+            <a:avLst/>
+          </a:prstGeom>
+          <a:ln w="38100">
+            <a:noFill/>
+          </a:ln>
+        </p:spPr>
+      </p:pic>
     </p:spTree>
     <p:extLst>
       <p:ext uri="{BB962C8B-B14F-4D97-AF65-F5344CB8AC3E}">
         <p14:creationId xmlns:p14="http://schemas.microsoft.com/office/powerpoint/2010/main" val="3637517315"/>
+      </p:ext>
+    </p:extLst>
+  </p:cSld>
+  <p:clrMapOvr>
+    <a:masterClrMapping/>
+  </p:clrMapOvr>
+</p:sld>
+</file>
+
+<file path=ppt/slides/slide5.xml><?xml version="1.0" encoding="utf-8"?>
+<p:sld xmlns:a="http://schemas.openxmlformats.org/drawingml/2006/main" xmlns:r="http://schemas.openxmlformats.org/officeDocument/2006/relationships" xmlns:p="http://schemas.openxmlformats.org/presentationml/2006/main">
+  <p:cSld>
+    <p:spTree>
+      <p:nvGrpSpPr>
+        <p:cNvPr id="1" name=""/>
+        <p:cNvGrpSpPr/>
+        <p:nvPr/>
+      </p:nvGrpSpPr>
+      <p:grpSpPr>
+        <a:xfrm>
+          <a:off x="0" y="0"/>
+          <a:ext cx="0" cy="0"/>
+          <a:chOff x="0" y="0"/>
+          <a:chExt cx="0" cy="0"/>
+        </a:xfrm>
+      </p:grpSpPr>
+      <p:pic>
+        <p:nvPicPr>
+          <p:cNvPr id="23" name="Kép 22" descr="A képen szöveg, világos látható&#10;&#10;Automatikusan generált leírás">
+            <a:extLst>
+              <a:ext uri="{FF2B5EF4-FFF2-40B4-BE49-F238E27FC236}">
+                <a16:creationId xmlns:a16="http://schemas.microsoft.com/office/drawing/2014/main" id="{92A4AD58-AB4B-4836-8938-9B140C7479FA}"/>
+              </a:ext>
+            </a:extLst>
+          </p:cNvPr>
+          <p:cNvPicPr>
+            <a:picLocks noChangeAspect="1"/>
+          </p:cNvPicPr>
+          <p:nvPr/>
+        </p:nvPicPr>
+        <p:blipFill>
+          <a:blip r:embed="rId2">
+            <a:extLst>
+              <a:ext uri="{28A0092B-C50C-407E-A947-70E740481C1C}">
+                <a14:useLocalDpi xmlns:a14="http://schemas.microsoft.com/office/drawing/2010/main" val="0"/>
+              </a:ext>
+            </a:extLst>
+          </a:blip>
+          <a:stretch>
+            <a:fillRect/>
+          </a:stretch>
+        </p:blipFill>
+        <p:spPr>
+          <a:xfrm>
+            <a:off x="1496698" y="178495"/>
+            <a:ext cx="2284039" cy="1370423"/>
+          </a:xfrm>
+          <a:prstGeom prst="rect">
+            <a:avLst/>
+          </a:prstGeom>
+          <a:ln w="38100">
+            <a:noFill/>
+          </a:ln>
+        </p:spPr>
+      </p:pic>
+      <p:sp>
+        <p:nvSpPr>
+          <p:cNvPr id="4" name="Akciógomb: Hang 3">
+            <a:hlinkClick r:id="" action="ppaction://noaction" highlightClick="1">
+              <a:snd r:embed="rId3" name="applause.wav"/>
+            </a:hlinkClick>
+            <a:extLst>
+              <a:ext uri="{FF2B5EF4-FFF2-40B4-BE49-F238E27FC236}">
+                <a16:creationId xmlns:a16="http://schemas.microsoft.com/office/drawing/2014/main" id="{67E78227-EA8E-4096-A3D8-3EB0981965AE}"/>
+              </a:ext>
+            </a:extLst>
+          </p:cNvPr>
+          <p:cNvSpPr/>
+          <p:nvPr/>
+        </p:nvSpPr>
+        <p:spPr>
+          <a:xfrm>
+            <a:off x="10681254" y="263134"/>
+            <a:ext cx="1152937" cy="1152000"/>
+          </a:xfrm>
+          <a:prstGeom prst="actionButtonSound">
+            <a:avLst/>
+          </a:prstGeom>
+          <a:ln w="38100">
+            <a:solidFill>
+              <a:schemeClr val="tx1"/>
+            </a:solidFill>
+          </a:ln>
+        </p:spPr>
+        <p:style>
+          <a:lnRef idx="2">
+            <a:schemeClr val="accent6"/>
+          </a:lnRef>
+          <a:fillRef idx="1">
+            <a:schemeClr val="lt1"/>
+          </a:fillRef>
+          <a:effectRef idx="0">
+            <a:schemeClr val="accent6"/>
+          </a:effectRef>
+          <a:fontRef idx="minor">
+            <a:schemeClr val="dk1"/>
+          </a:fontRef>
+        </p:style>
+        <p:txBody>
+          <a:bodyPr rtlCol="0" anchor="ctr"/>
+          <a:lstStyle/>
+          <a:p>
+            <a:pPr algn="ctr"/>
+            <a:endParaRPr lang="hu-HU" dirty="0"/>
+          </a:p>
+        </p:txBody>
+      </p:sp>
+      <p:grpSp>
+        <p:nvGrpSpPr>
+          <p:cNvPr id="5" name="Csoportba foglalás 4">
+            <a:extLst>
+              <a:ext uri="{FF2B5EF4-FFF2-40B4-BE49-F238E27FC236}">
+                <a16:creationId xmlns:a16="http://schemas.microsoft.com/office/drawing/2014/main" id="{F3F0EB98-BB95-423F-AFDC-9CC550875656}"/>
+              </a:ext>
+            </a:extLst>
+          </p:cNvPr>
+          <p:cNvGrpSpPr/>
+          <p:nvPr/>
+        </p:nvGrpSpPr>
+        <p:grpSpPr>
+          <a:xfrm>
+            <a:off x="9237096" y="263134"/>
+            <a:ext cx="1152937" cy="1156638"/>
+            <a:chOff x="9235827" y="98027"/>
+            <a:chExt cx="1152937" cy="1156638"/>
+          </a:xfrm>
+        </p:grpSpPr>
+        <p:sp>
+          <p:nvSpPr>
+            <p:cNvPr id="6" name="Akciógomb: üres 5">
+              <a:hlinkClick r:id="" action="ppaction://noaction" highlightClick="1"/>
+              <a:extLst>
+                <a:ext uri="{FF2B5EF4-FFF2-40B4-BE49-F238E27FC236}">
+                  <a16:creationId xmlns:a16="http://schemas.microsoft.com/office/drawing/2014/main" id="{541EF4D2-85FB-4550-A7C7-D3B588B6FE0C}"/>
+                </a:ext>
+              </a:extLst>
+            </p:cNvPr>
+            <p:cNvSpPr/>
+            <p:nvPr/>
+          </p:nvSpPr>
+          <p:spPr>
+            <a:xfrm>
+              <a:off x="9236764" y="102665"/>
+              <a:ext cx="1152000" cy="1152000"/>
+            </a:xfrm>
+            <a:prstGeom prst="actionButtonBlank">
+              <a:avLst/>
+            </a:prstGeom>
+            <a:ln w="38100">
+              <a:solidFill>
+                <a:schemeClr val="tx1"/>
+              </a:solidFill>
+            </a:ln>
+          </p:spPr>
+          <p:style>
+            <a:lnRef idx="2">
+              <a:schemeClr val="accent6"/>
+            </a:lnRef>
+            <a:fillRef idx="1">
+              <a:schemeClr val="lt1"/>
+            </a:fillRef>
+            <a:effectRef idx="0">
+              <a:schemeClr val="accent6"/>
+            </a:effectRef>
+            <a:fontRef idx="minor">
+              <a:schemeClr val="dk1"/>
+            </a:fontRef>
+          </p:style>
+          <p:txBody>
+            <a:bodyPr rtlCol="0" anchor="ctr"/>
+            <a:lstStyle/>
+            <a:p>
+              <a:pPr algn="ctr"/>
+              <a:endParaRPr lang="hu-HU"/>
+            </a:p>
+          </p:txBody>
+        </p:sp>
+        <p:pic>
+          <p:nvPicPr>
+            <p:cNvPr id="7" name="Ábra 6" descr="Egy fogaskerék egyszínű kitöltéssel">
+              <a:extLst>
+                <a:ext uri="{FF2B5EF4-FFF2-40B4-BE49-F238E27FC236}">
+                  <a16:creationId xmlns:a16="http://schemas.microsoft.com/office/drawing/2014/main" id="{211EB9A2-8242-468D-865F-D15E2F62E3C0}"/>
+                </a:ext>
+              </a:extLst>
+            </p:cNvPr>
+            <p:cNvPicPr>
+              <a:picLocks noChangeAspect="1"/>
+            </p:cNvPicPr>
+            <p:nvPr/>
+          </p:nvPicPr>
+          <p:blipFill>
+            <a:blip r:embed="rId4">
+              <a:extLst>
+                <a:ext uri="{28A0092B-C50C-407E-A947-70E740481C1C}">
+                  <a14:useLocalDpi xmlns:a14="http://schemas.microsoft.com/office/drawing/2010/main" val="0"/>
+                </a:ext>
+                <a:ext uri="{96DAC541-7B7A-43D3-8B79-37D633B846F1}">
+                  <asvg:svgBlip xmlns:asvg="http://schemas.microsoft.com/office/drawing/2016/SVG/main" r:embed="rId5"/>
+                </a:ext>
+              </a:extLst>
+            </a:blip>
+            <a:stretch>
+              <a:fillRect/>
+            </a:stretch>
+          </p:blipFill>
+          <p:spPr>
+            <a:xfrm>
+              <a:off x="9235827" y="98027"/>
+              <a:ext cx="1152937" cy="1152937"/>
+            </a:xfrm>
+            <a:prstGeom prst="rect">
+              <a:avLst/>
+            </a:prstGeom>
+          </p:spPr>
+        </p:pic>
+      </p:grpSp>
+      <p:sp>
+        <p:nvSpPr>
+          <p:cNvPr id="8" name="Téglalap 7">
+            <a:extLst>
+              <a:ext uri="{FF2B5EF4-FFF2-40B4-BE49-F238E27FC236}">
+                <a16:creationId xmlns:a16="http://schemas.microsoft.com/office/drawing/2014/main" id="{EBE3A781-6501-4D87-A3A7-0F843847FA98}"/>
+              </a:ext>
+            </a:extLst>
+          </p:cNvPr>
+          <p:cNvSpPr/>
+          <p:nvPr/>
+        </p:nvSpPr>
+        <p:spPr>
+          <a:xfrm>
+            <a:off x="9237096" y="1736520"/>
+            <a:ext cx="2600964" cy="4853707"/>
+          </a:xfrm>
+          <a:prstGeom prst="rect">
+            <a:avLst/>
+          </a:prstGeom>
+          <a:ln>
+            <a:solidFill>
+              <a:schemeClr val="tx1"/>
+            </a:solidFill>
+          </a:ln>
+        </p:spPr>
+        <p:style>
+          <a:lnRef idx="2">
+            <a:schemeClr val="accent6"/>
+          </a:lnRef>
+          <a:fillRef idx="1">
+            <a:schemeClr val="lt1"/>
+          </a:fillRef>
+          <a:effectRef idx="0">
+            <a:schemeClr val="accent6"/>
+          </a:effectRef>
+          <a:fontRef idx="minor">
+            <a:schemeClr val="dk1"/>
+          </a:fontRef>
+        </p:style>
+        <p:txBody>
+          <a:bodyPr rtlCol="0" anchor="ctr"/>
+          <a:lstStyle/>
+          <a:p>
+            <a:pPr algn="ctr"/>
+            <a:r>
+              <a:rPr lang="en-GB" sz="4000" b="1" i="1" dirty="0">
+                <a:highlight>
+                  <a:srgbClr val="FFFF00"/>
+                </a:highlight>
+              </a:rPr>
+              <a:t>CHATBOX</a:t>
+            </a:r>
+            <a:endParaRPr lang="hu-HU" b="1" i="1" dirty="0">
+              <a:highlight>
+                <a:srgbClr val="FFFF00"/>
+              </a:highlight>
+            </a:endParaRPr>
+          </a:p>
+        </p:txBody>
+      </p:sp>
+      <p:sp>
+        <p:nvSpPr>
+          <p:cNvPr id="10" name="Szövegdoboz 9">
+            <a:extLst>
+              <a:ext uri="{FF2B5EF4-FFF2-40B4-BE49-F238E27FC236}">
+                <a16:creationId xmlns:a16="http://schemas.microsoft.com/office/drawing/2014/main" id="{80834AFC-4DF5-44CF-9FDF-F493F45F144B}"/>
+              </a:ext>
+            </a:extLst>
+          </p:cNvPr>
+          <p:cNvSpPr txBox="1"/>
+          <p:nvPr/>
+        </p:nvSpPr>
+        <p:spPr>
+          <a:xfrm>
+            <a:off x="3072468" y="281019"/>
+            <a:ext cx="3688017" cy="707886"/>
+          </a:xfrm>
+          <a:prstGeom prst="rect">
+            <a:avLst/>
+          </a:prstGeom>
+          <a:noFill/>
+        </p:spPr>
+        <p:txBody>
+          <a:bodyPr wrap="square" rtlCol="0">
+            <a:spAutoFit/>
+          </a:bodyPr>
+          <a:lstStyle/>
+          <a:p>
+            <a:pPr algn="ctr"/>
+            <a:r>
+              <a:rPr lang="en-GB" sz="4000" b="1" spc="300" dirty="0">
+                <a:effectLst>
+                  <a:outerShdw blurRad="38100" dist="38100" dir="2700000" algn="tl">
+                    <a:srgbClr val="000000">
+                      <a:alpha val="43137"/>
+                    </a:srgbClr>
+                  </a:outerShdw>
+                </a:effectLst>
+                <a:latin typeface="Comic Sans MS" panose="030F0702030302020204" pitchFamily="66" charset="0"/>
+              </a:rPr>
+              <a:t>ROUND 4	</a:t>
+            </a:r>
+            <a:endParaRPr lang="hu-HU" sz="1600" b="1" spc="300" dirty="0">
+              <a:effectLst>
+                <a:outerShdw blurRad="38100" dist="38100" dir="2700000" algn="tl">
+                  <a:srgbClr val="000000">
+                    <a:alpha val="43137"/>
+                  </a:srgbClr>
+                </a:outerShdw>
+              </a:effectLst>
+              <a:latin typeface="Comic Sans MS" panose="030F0702030302020204" pitchFamily="66" charset="0"/>
+            </a:endParaRPr>
+          </a:p>
+        </p:txBody>
+      </p:sp>
+      <p:sp>
+        <p:nvSpPr>
+          <p:cNvPr id="11" name="Szövegdoboz 10">
+            <a:extLst>
+              <a:ext uri="{FF2B5EF4-FFF2-40B4-BE49-F238E27FC236}">
+                <a16:creationId xmlns:a16="http://schemas.microsoft.com/office/drawing/2014/main" id="{DEB93587-6857-473C-B812-E59021BE6836}"/>
+              </a:ext>
+            </a:extLst>
+          </p:cNvPr>
+          <p:cNvSpPr txBox="1"/>
+          <p:nvPr/>
+        </p:nvSpPr>
+        <p:spPr>
+          <a:xfrm>
+            <a:off x="1204702" y="1503728"/>
+            <a:ext cx="2960543" cy="369332"/>
+          </a:xfrm>
+          <a:prstGeom prst="rect">
+            <a:avLst/>
+          </a:prstGeom>
+          <a:noFill/>
+        </p:spPr>
+        <p:txBody>
+          <a:bodyPr wrap="square" rtlCol="0">
+            <a:spAutoFit/>
+          </a:bodyPr>
+          <a:lstStyle/>
+          <a:p>
+            <a:pPr algn="ctr"/>
+            <a:r>
+              <a:rPr lang="en-GB" sz="1800" b="1" i="1" dirty="0">
+                <a:latin typeface="Comic Sans MS" panose="030F0702030302020204" pitchFamily="66" charset="0"/>
+              </a:rPr>
+              <a:t>USERNAME123</a:t>
+            </a:r>
+            <a:endParaRPr lang="hu-HU" dirty="0"/>
+          </a:p>
+        </p:txBody>
+      </p:sp>
+      <p:sp>
+        <p:nvSpPr>
+          <p:cNvPr id="15" name="Szövegdoboz 14">
+            <a:extLst>
+              <a:ext uri="{FF2B5EF4-FFF2-40B4-BE49-F238E27FC236}">
+                <a16:creationId xmlns:a16="http://schemas.microsoft.com/office/drawing/2014/main" id="{50E815C8-1262-499E-AE4C-4DB1791B2BBE}"/>
+              </a:ext>
+            </a:extLst>
+          </p:cNvPr>
+          <p:cNvSpPr txBox="1"/>
+          <p:nvPr/>
+        </p:nvSpPr>
+        <p:spPr>
+          <a:xfrm>
+            <a:off x="3529202" y="1012558"/>
+            <a:ext cx="2681267" cy="369332"/>
+          </a:xfrm>
+          <a:prstGeom prst="rect">
+            <a:avLst/>
+          </a:prstGeom>
+          <a:noFill/>
+        </p:spPr>
+        <p:txBody>
+          <a:bodyPr wrap="square" rtlCol="0">
+            <a:spAutoFit/>
+          </a:bodyPr>
+          <a:lstStyle/>
+          <a:p>
+            <a:pPr algn="ctr"/>
+            <a:r>
+              <a:rPr lang="en-GB" sz="1800" b="1" i="1" dirty="0">
+                <a:latin typeface="Comic Sans MS" panose="030F0702030302020204" pitchFamily="66" charset="0"/>
+              </a:rPr>
+              <a:t>GOAL: 10 POINTS</a:t>
+            </a:r>
+            <a:endParaRPr lang="hu-HU" dirty="0"/>
+          </a:p>
+        </p:txBody>
+      </p:sp>
+      <p:pic>
+        <p:nvPicPr>
+          <p:cNvPr id="25" name="Kép 24" descr="A képen szöveg látható&#10;&#10;Automatikusan generált leírás">
+            <a:extLst>
+              <a:ext uri="{FF2B5EF4-FFF2-40B4-BE49-F238E27FC236}">
+                <a16:creationId xmlns:a16="http://schemas.microsoft.com/office/drawing/2014/main" id="{FA228031-0C5A-463E-836C-B4D39A7F1756}"/>
+              </a:ext>
+            </a:extLst>
+          </p:cNvPr>
+          <p:cNvPicPr>
+            <a:picLocks noChangeAspect="1"/>
+          </p:cNvPicPr>
+          <p:nvPr/>
+        </p:nvPicPr>
+        <p:blipFill>
+          <a:blip r:embed="rId6">
+            <a:extLst>
+              <a:ext uri="{28A0092B-C50C-407E-A947-70E740481C1C}">
+                <a14:useLocalDpi xmlns:a14="http://schemas.microsoft.com/office/drawing/2010/main" val="0"/>
+              </a:ext>
+            </a:extLst>
+          </a:blip>
+          <a:stretch>
+            <a:fillRect/>
+          </a:stretch>
+        </p:blipFill>
+        <p:spPr>
+          <a:xfrm flipH="1">
+            <a:off x="5912282" y="193111"/>
+            <a:ext cx="2284270" cy="1370562"/>
+          </a:xfrm>
+          <a:prstGeom prst="rect">
+            <a:avLst/>
+          </a:prstGeom>
+        </p:spPr>
+      </p:pic>
+      <p:sp>
+        <p:nvSpPr>
+          <p:cNvPr id="26" name="Szövegdoboz 25">
+            <a:extLst>
+              <a:ext uri="{FF2B5EF4-FFF2-40B4-BE49-F238E27FC236}">
+                <a16:creationId xmlns:a16="http://schemas.microsoft.com/office/drawing/2014/main" id="{B3232469-A9AD-4287-B524-FCC0866B29AB}"/>
+              </a:ext>
+            </a:extLst>
+          </p:cNvPr>
+          <p:cNvSpPr txBox="1"/>
+          <p:nvPr/>
+        </p:nvSpPr>
+        <p:spPr>
+          <a:xfrm>
+            <a:off x="5582274" y="1506767"/>
+            <a:ext cx="2988066" cy="369332"/>
+          </a:xfrm>
+          <a:prstGeom prst="rect">
+            <a:avLst/>
+          </a:prstGeom>
+          <a:noFill/>
+        </p:spPr>
+        <p:txBody>
+          <a:bodyPr wrap="square" rtlCol="0">
+            <a:spAutoFit/>
+          </a:bodyPr>
+          <a:lstStyle/>
+          <a:p>
+            <a:pPr algn="ctr"/>
+            <a:r>
+              <a:rPr lang="en-GB" sz="1800" b="1" i="1" dirty="0">
+                <a:latin typeface="Comic Sans MS" panose="030F0702030302020204" pitchFamily="66" charset="0"/>
+              </a:rPr>
+              <a:t>RANDOM321</a:t>
+            </a:r>
+            <a:endParaRPr lang="hu-HU" dirty="0"/>
+          </a:p>
+        </p:txBody>
+      </p:sp>
+      <p:sp>
+        <p:nvSpPr>
+          <p:cNvPr id="27" name="Szövegdoboz 26">
+            <a:extLst>
+              <a:ext uri="{FF2B5EF4-FFF2-40B4-BE49-F238E27FC236}">
+                <a16:creationId xmlns:a16="http://schemas.microsoft.com/office/drawing/2014/main" id="{072AE96D-6FFD-46B2-8BEE-2F5C63AB9312}"/>
+              </a:ext>
+            </a:extLst>
+          </p:cNvPr>
+          <p:cNvSpPr txBox="1"/>
+          <p:nvPr/>
+        </p:nvSpPr>
+        <p:spPr>
+          <a:xfrm>
+            <a:off x="3817553" y="1387104"/>
+            <a:ext cx="1999553" cy="523220"/>
+          </a:xfrm>
+          <a:prstGeom prst="rect">
+            <a:avLst/>
+          </a:prstGeom>
+          <a:noFill/>
+        </p:spPr>
+        <p:txBody>
+          <a:bodyPr wrap="square" rtlCol="0">
+            <a:spAutoFit/>
+          </a:bodyPr>
+          <a:lstStyle/>
+          <a:p>
+            <a:pPr algn="ctr"/>
+            <a:r>
+              <a:rPr lang="en-GB" sz="2800" b="1" dirty="0">
+                <a:latin typeface="Comic Sans MS" panose="030F0702030302020204" pitchFamily="66" charset="0"/>
+              </a:rPr>
+              <a:t>2   :   1</a:t>
+            </a:r>
+            <a:endParaRPr lang="hu-HU" sz="2800" dirty="0"/>
+          </a:p>
+        </p:txBody>
+      </p:sp>
+      <p:pic>
+        <p:nvPicPr>
+          <p:cNvPr id="3" name="Kép 2">
+            <a:extLst>
+              <a:ext uri="{FF2B5EF4-FFF2-40B4-BE49-F238E27FC236}">
+                <a16:creationId xmlns:a16="http://schemas.microsoft.com/office/drawing/2014/main" id="{DBE8588B-219D-4871-9946-737FEFB07E3B}"/>
+              </a:ext>
+            </a:extLst>
+          </p:cNvPr>
+          <p:cNvPicPr>
+            <a:picLocks noChangeAspect="1"/>
+          </p:cNvPicPr>
+          <p:nvPr/>
+        </p:nvPicPr>
+        <p:blipFill rotWithShape="1">
+          <a:blip r:embed="rId7">
+            <a:extLst>
+              <a:ext uri="{28A0092B-C50C-407E-A947-70E740481C1C}">
+                <a14:useLocalDpi xmlns:a14="http://schemas.microsoft.com/office/drawing/2010/main" val="0"/>
+              </a:ext>
+            </a:extLst>
+          </a:blip>
+          <a:srcRect l="9345" t="577" r="10553" b="23959"/>
+          <a:stretch/>
+        </p:blipFill>
+        <p:spPr>
+          <a:xfrm>
+            <a:off x="910086" y="1910324"/>
+            <a:ext cx="7948164" cy="4679903"/>
+          </a:xfrm>
+          <a:prstGeom prst="rect">
+            <a:avLst/>
+          </a:prstGeom>
+        </p:spPr>
+      </p:pic>
+      <p:sp>
+        <p:nvSpPr>
+          <p:cNvPr id="9" name="Téglalap 8">
+            <a:extLst>
+              <a:ext uri="{FF2B5EF4-FFF2-40B4-BE49-F238E27FC236}">
+                <a16:creationId xmlns:a16="http://schemas.microsoft.com/office/drawing/2014/main" id="{FEFACD2C-FE76-46D5-A77A-6F00742145A3}"/>
+              </a:ext>
+            </a:extLst>
+          </p:cNvPr>
+          <p:cNvSpPr/>
+          <p:nvPr/>
+        </p:nvSpPr>
+        <p:spPr>
+          <a:xfrm>
+            <a:off x="1788958" y="6016602"/>
+            <a:ext cx="337351" cy="346229"/>
+          </a:xfrm>
+          <a:prstGeom prst="rect">
+            <a:avLst/>
+          </a:prstGeom>
+          <a:solidFill>
+            <a:srgbClr val="E6E6E6"/>
+          </a:solidFill>
+          <a:ln>
+            <a:noFill/>
+          </a:ln>
+        </p:spPr>
+        <p:style>
+          <a:lnRef idx="2">
+            <a:schemeClr val="accent1">
+              <a:shade val="50000"/>
+            </a:schemeClr>
+          </a:lnRef>
+          <a:fillRef idx="1">
+            <a:schemeClr val="accent1"/>
+          </a:fillRef>
+          <a:effectRef idx="0">
+            <a:schemeClr val="accent1"/>
+          </a:effectRef>
+          <a:fontRef idx="minor">
+            <a:schemeClr val="lt1"/>
+          </a:fontRef>
+        </p:style>
+        <p:txBody>
+          <a:bodyPr rtlCol="0" anchor="ctr"/>
+          <a:lstStyle/>
+          <a:p>
+            <a:pPr algn="ctr"/>
+            <a:endParaRPr lang="hu-HU"/>
+          </a:p>
+        </p:txBody>
+      </p:sp>
+      <p:sp>
+        <p:nvSpPr>
+          <p:cNvPr id="18" name="Téglalap 17">
+            <a:extLst>
+              <a:ext uri="{FF2B5EF4-FFF2-40B4-BE49-F238E27FC236}">
+                <a16:creationId xmlns:a16="http://schemas.microsoft.com/office/drawing/2014/main" id="{512DB19E-C2A1-4211-A571-31EBC379D3C7}"/>
+              </a:ext>
+            </a:extLst>
+          </p:cNvPr>
+          <p:cNvSpPr/>
+          <p:nvPr/>
+        </p:nvSpPr>
+        <p:spPr>
+          <a:xfrm>
+            <a:off x="6427279" y="5394148"/>
+            <a:ext cx="337351" cy="346229"/>
+          </a:xfrm>
+          <a:prstGeom prst="rect">
+            <a:avLst/>
+          </a:prstGeom>
+          <a:solidFill>
+            <a:srgbClr val="E6E6E6"/>
+          </a:solidFill>
+          <a:ln>
+            <a:noFill/>
+          </a:ln>
+        </p:spPr>
+        <p:style>
+          <a:lnRef idx="2">
+            <a:schemeClr val="accent1">
+              <a:shade val="50000"/>
+            </a:schemeClr>
+          </a:lnRef>
+          <a:fillRef idx="1">
+            <a:schemeClr val="accent1"/>
+          </a:fillRef>
+          <a:effectRef idx="0">
+            <a:schemeClr val="accent1"/>
+          </a:effectRef>
+          <a:fontRef idx="minor">
+            <a:schemeClr val="lt1"/>
+          </a:fontRef>
+        </p:style>
+        <p:txBody>
+          <a:bodyPr rtlCol="0" anchor="ctr"/>
+          <a:lstStyle/>
+          <a:p>
+            <a:pPr algn="ctr"/>
+            <a:endParaRPr lang="hu-HU"/>
+          </a:p>
+        </p:txBody>
+      </p:sp>
+      <p:sp>
+        <p:nvSpPr>
+          <p:cNvPr id="19" name="Téglalap 18">
+            <a:extLst>
+              <a:ext uri="{FF2B5EF4-FFF2-40B4-BE49-F238E27FC236}">
+                <a16:creationId xmlns:a16="http://schemas.microsoft.com/office/drawing/2014/main" id="{BE629829-7458-4B82-9E6B-36B48B06A259}"/>
+              </a:ext>
+            </a:extLst>
+          </p:cNvPr>
+          <p:cNvSpPr/>
+          <p:nvPr/>
+        </p:nvSpPr>
+        <p:spPr>
+          <a:xfrm>
+            <a:off x="3072468" y="2141023"/>
+            <a:ext cx="337351" cy="346229"/>
+          </a:xfrm>
+          <a:prstGeom prst="rect">
+            <a:avLst/>
+          </a:prstGeom>
+          <a:solidFill>
+            <a:srgbClr val="E6E6E6"/>
+          </a:solidFill>
+          <a:ln>
+            <a:noFill/>
+          </a:ln>
+        </p:spPr>
+        <p:style>
+          <a:lnRef idx="2">
+            <a:schemeClr val="accent1">
+              <a:shade val="50000"/>
+            </a:schemeClr>
+          </a:lnRef>
+          <a:fillRef idx="1">
+            <a:schemeClr val="accent1"/>
+          </a:fillRef>
+          <a:effectRef idx="0">
+            <a:schemeClr val="accent1"/>
+          </a:effectRef>
+          <a:fontRef idx="minor">
+            <a:schemeClr val="lt1"/>
+          </a:fontRef>
+        </p:style>
+        <p:txBody>
+          <a:bodyPr rtlCol="0" anchor="ctr"/>
+          <a:lstStyle/>
+          <a:p>
+            <a:pPr algn="ctr"/>
+            <a:endParaRPr lang="hu-HU"/>
+          </a:p>
+        </p:txBody>
+      </p:sp>
+      <p:grpSp>
+        <p:nvGrpSpPr>
+          <p:cNvPr id="14" name="Csoportba foglalás 13">
+            <a:extLst>
+              <a:ext uri="{FF2B5EF4-FFF2-40B4-BE49-F238E27FC236}">
+                <a16:creationId xmlns:a16="http://schemas.microsoft.com/office/drawing/2014/main" id="{D375D9A1-F1EB-4197-A580-43A3A2F4D732}"/>
+              </a:ext>
+            </a:extLst>
+          </p:cNvPr>
+          <p:cNvGrpSpPr/>
+          <p:nvPr/>
+        </p:nvGrpSpPr>
+        <p:grpSpPr>
+          <a:xfrm>
+            <a:off x="357809" y="263134"/>
+            <a:ext cx="1164367" cy="1152000"/>
+            <a:chOff x="660066" y="222657"/>
+            <a:chExt cx="1164367" cy="1152000"/>
+          </a:xfrm>
+        </p:grpSpPr>
+        <p:sp>
+          <p:nvSpPr>
+            <p:cNvPr id="28" name="Akciógomb: üres 27">
+              <a:hlinkClick r:id="" action="ppaction://noaction" highlightClick="1"/>
+              <a:extLst>
+                <a:ext uri="{FF2B5EF4-FFF2-40B4-BE49-F238E27FC236}">
+                  <a16:creationId xmlns:a16="http://schemas.microsoft.com/office/drawing/2014/main" id="{C873C7EC-3220-4FCD-8AFC-59B91C4291FD}"/>
+                </a:ext>
+              </a:extLst>
+            </p:cNvPr>
+            <p:cNvSpPr/>
+            <p:nvPr/>
+          </p:nvSpPr>
+          <p:spPr>
+            <a:xfrm>
+              <a:off x="660066" y="222657"/>
+              <a:ext cx="1152000" cy="1152000"/>
+            </a:xfrm>
+            <a:prstGeom prst="actionButtonBlank">
+              <a:avLst/>
+            </a:prstGeom>
+            <a:ln w="38100">
+              <a:solidFill>
+                <a:schemeClr val="tx1"/>
+              </a:solidFill>
+            </a:ln>
+          </p:spPr>
+          <p:style>
+            <a:lnRef idx="2">
+              <a:schemeClr val="accent6"/>
+            </a:lnRef>
+            <a:fillRef idx="1">
+              <a:schemeClr val="lt1"/>
+            </a:fillRef>
+            <a:effectRef idx="0">
+              <a:schemeClr val="accent6"/>
+            </a:effectRef>
+            <a:fontRef idx="minor">
+              <a:schemeClr val="dk1"/>
+            </a:fontRef>
+          </p:style>
+          <p:txBody>
+            <a:bodyPr rtlCol="0" anchor="ctr"/>
+            <a:lstStyle/>
+            <a:p>
+              <a:pPr algn="ctr"/>
+              <a:endParaRPr lang="hu-HU"/>
+            </a:p>
+          </p:txBody>
+        </p:sp>
+        <p:pic>
+          <p:nvPicPr>
+            <p:cNvPr id="13" name="Ábra 12" descr="Kilépés egyszínű kitöltéssel">
+              <a:extLst>
+                <a:ext uri="{FF2B5EF4-FFF2-40B4-BE49-F238E27FC236}">
+                  <a16:creationId xmlns:a16="http://schemas.microsoft.com/office/drawing/2014/main" id="{7F853A18-1EEE-4E48-8B3E-43E45351F8EE}"/>
+                </a:ext>
+              </a:extLst>
+            </p:cNvPr>
+            <p:cNvPicPr>
+              <a:picLocks noChangeAspect="1"/>
+            </p:cNvPicPr>
+            <p:nvPr/>
+          </p:nvPicPr>
+          <p:blipFill>
+            <a:blip r:embed="rId8">
+              <a:extLst>
+                <a:ext uri="{28A0092B-C50C-407E-A947-70E740481C1C}">
+                  <a14:useLocalDpi xmlns:a14="http://schemas.microsoft.com/office/drawing/2010/main" val="0"/>
+                </a:ext>
+                <a:ext uri="{96DAC541-7B7A-43D3-8B79-37D633B846F1}">
+                  <asvg:svgBlip xmlns:asvg="http://schemas.microsoft.com/office/drawing/2016/SVG/main" r:embed="rId9"/>
+                </a:ext>
+              </a:extLst>
+            </a:blip>
+            <a:stretch>
+              <a:fillRect/>
+            </a:stretch>
+          </p:blipFill>
+          <p:spPr>
+            <a:xfrm>
+              <a:off x="672433" y="222657"/>
+              <a:ext cx="1152000" cy="1152000"/>
+            </a:xfrm>
+            <a:prstGeom prst="rect">
+              <a:avLst/>
+            </a:prstGeom>
+          </p:spPr>
+        </p:pic>
+      </p:grpSp>
+    </p:spTree>
+    <p:extLst>
+      <p:ext uri="{BB962C8B-B14F-4D97-AF65-F5344CB8AC3E}">
+        <p14:creationId xmlns:p14="http://schemas.microsoft.com/office/powerpoint/2010/main" val="1331208999"/>
       </p:ext>
     </p:extLst>
   </p:cSld>
